--- a/paper/figures2/batching.pptx
+++ b/paper/figures2/batching.pptx
@@ -243,7 +243,7 @@
           <a:p>
             <a:fld id="{56306E35-67EC-46AC-BC32-5880F8622E8A}" type="datetimeFigureOut">
               <a:rPr lang="en-US" smtClean="0"/>
-              <a:t>4/19/2017</a:t>
+              <a:t>4/21/2017</a:t>
             </a:fld>
             <a:endParaRPr lang="en-US"/>
           </a:p>
@@ -413,7 +413,7 @@
           <a:p>
             <a:fld id="{56306E35-67EC-46AC-BC32-5880F8622E8A}" type="datetimeFigureOut">
               <a:rPr lang="en-US" smtClean="0"/>
-              <a:t>4/19/2017</a:t>
+              <a:t>4/21/2017</a:t>
             </a:fld>
             <a:endParaRPr lang="en-US"/>
           </a:p>
@@ -593,7 +593,7 @@
           <a:p>
             <a:fld id="{56306E35-67EC-46AC-BC32-5880F8622E8A}" type="datetimeFigureOut">
               <a:rPr lang="en-US" smtClean="0"/>
-              <a:t>4/19/2017</a:t>
+              <a:t>4/21/2017</a:t>
             </a:fld>
             <a:endParaRPr lang="en-US"/>
           </a:p>
@@ -763,7 +763,7 @@
           <a:p>
             <a:fld id="{56306E35-67EC-46AC-BC32-5880F8622E8A}" type="datetimeFigureOut">
               <a:rPr lang="en-US" smtClean="0"/>
-              <a:t>4/19/2017</a:t>
+              <a:t>4/21/2017</a:t>
             </a:fld>
             <a:endParaRPr lang="en-US"/>
           </a:p>
@@ -1009,7 +1009,7 @@
           <a:p>
             <a:fld id="{56306E35-67EC-46AC-BC32-5880F8622E8A}" type="datetimeFigureOut">
               <a:rPr lang="en-US" smtClean="0"/>
-              <a:t>4/19/2017</a:t>
+              <a:t>4/21/2017</a:t>
             </a:fld>
             <a:endParaRPr lang="en-US"/>
           </a:p>
@@ -1241,7 +1241,7 @@
           <a:p>
             <a:fld id="{56306E35-67EC-46AC-BC32-5880F8622E8A}" type="datetimeFigureOut">
               <a:rPr lang="en-US" smtClean="0"/>
-              <a:t>4/19/2017</a:t>
+              <a:t>4/21/2017</a:t>
             </a:fld>
             <a:endParaRPr lang="en-US"/>
           </a:p>
@@ -1608,7 +1608,7 @@
           <a:p>
             <a:fld id="{56306E35-67EC-46AC-BC32-5880F8622E8A}" type="datetimeFigureOut">
               <a:rPr lang="en-US" smtClean="0"/>
-              <a:t>4/19/2017</a:t>
+              <a:t>4/21/2017</a:t>
             </a:fld>
             <a:endParaRPr lang="en-US"/>
           </a:p>
@@ -1726,7 +1726,7 @@
           <a:p>
             <a:fld id="{56306E35-67EC-46AC-BC32-5880F8622E8A}" type="datetimeFigureOut">
               <a:rPr lang="en-US" smtClean="0"/>
-              <a:t>4/19/2017</a:t>
+              <a:t>4/21/2017</a:t>
             </a:fld>
             <a:endParaRPr lang="en-US"/>
           </a:p>
@@ -1821,7 +1821,7 @@
           <a:p>
             <a:fld id="{56306E35-67EC-46AC-BC32-5880F8622E8A}" type="datetimeFigureOut">
               <a:rPr lang="en-US" smtClean="0"/>
-              <a:t>4/19/2017</a:t>
+              <a:t>4/21/2017</a:t>
             </a:fld>
             <a:endParaRPr lang="en-US"/>
           </a:p>
@@ -2098,7 +2098,7 @@
           <a:p>
             <a:fld id="{56306E35-67EC-46AC-BC32-5880F8622E8A}" type="datetimeFigureOut">
               <a:rPr lang="en-US" smtClean="0"/>
-              <a:t>4/19/2017</a:t>
+              <a:t>4/21/2017</a:t>
             </a:fld>
             <a:endParaRPr lang="en-US"/>
           </a:p>
@@ -2351,7 +2351,7 @@
           <a:p>
             <a:fld id="{56306E35-67EC-46AC-BC32-5880F8622E8A}" type="datetimeFigureOut">
               <a:rPr lang="en-US" smtClean="0"/>
-              <a:t>4/19/2017</a:t>
+              <a:t>4/21/2017</a:t>
             </a:fld>
             <a:endParaRPr lang="en-US"/>
           </a:p>
@@ -2564,7 +2564,7 @@
           <a:p>
             <a:fld id="{56306E35-67EC-46AC-BC32-5880F8622E8A}" type="datetimeFigureOut">
               <a:rPr lang="en-US" smtClean="0"/>
-              <a:t>4/19/2017</a:t>
+              <a:t>4/21/2017</a:t>
             </a:fld>
             <a:endParaRPr lang="en-US"/>
           </a:p>
@@ -3050,6 +3050,8 @@
           <a:prstGeom prst="rect">
             <a:avLst/>
           </a:prstGeom>
+          <a:noFill/>
+          <a:ln w="38100"/>
         </p:spPr>
         <p:style>
           <a:lnRef idx="2">
@@ -3100,11 +3102,7 @@
           <a:p>
             <a:r>
               <a:rPr lang="en-US" dirty="0" smtClean="0"/>
-              <a:t>1. From </a:t>
-            </a:r>
-            <a:r>
-              <a:rPr lang="en-US" dirty="0" smtClean="0"/>
-              <a:t>client via </a:t>
+              <a:t>1. From client via </a:t>
             </a:r>
             <a:r>
               <a:rPr lang="en-US" dirty="0" err="1" smtClean="0"/>
@@ -3112,11 +3110,7 @@
             </a:r>
             <a:r>
               <a:rPr lang="en-US" dirty="0" smtClean="0"/>
-              <a:t>(</a:t>
-            </a:r>
-            <a:r>
-              <a:rPr lang="en-US" dirty="0" smtClean="0"/>
-              <a:t>)</a:t>
+              <a:t>()</a:t>
             </a:r>
             <a:endParaRPr lang="en-US" dirty="0"/>
           </a:p>
@@ -3136,6 +3130,7 @@
           <a:prstGeom prst="rect">
             <a:avLst/>
           </a:prstGeom>
+          <a:noFill/>
           <a:ln w="38100"/>
         </p:spPr>
         <p:style>
@@ -3271,11 +3266,6 @@
               </a:rPr>
               <a:t>next</a:t>
             </a:r>
-            <a:endParaRPr lang="en-US" dirty="0" smtClean="0">
-              <a:solidFill>
-                <a:schemeClr val="tx1"/>
-              </a:solidFill>
-            </a:endParaRPr>
           </a:p>
         </p:txBody>
       </p:sp>
@@ -3293,6 +3283,7 @@
           <a:prstGeom prst="rect">
             <a:avLst/>
           </a:prstGeom>
+          <a:noFill/>
           <a:ln w="38100"/>
         </p:spPr>
         <p:style>
@@ -3432,7 +3423,7 @@
           </a:prstGeom>
           <a:pattFill prst="pct70">
             <a:fgClr>
-              <a:srgbClr val="00B050"/>
+              <a:schemeClr val="tx1"/>
             </a:fgClr>
             <a:bgClr>
               <a:schemeClr val="bg1"/>
@@ -3478,6 +3469,7 @@
           <a:prstGeom prst="rect">
             <a:avLst/>
           </a:prstGeom>
+          <a:noFill/>
           <a:ln w="38100"/>
         </p:spPr>
         <p:style>
@@ -3658,6 +3650,8 @@
           <a:prstGeom prst="rect">
             <a:avLst/>
           </a:prstGeom>
+          <a:noFill/>
+          <a:ln w="38100"/>
         </p:spPr>
         <p:style>
           <a:lnRef idx="2">
@@ -3698,6 +3692,7 @@
           <a:prstGeom prst="rect">
             <a:avLst/>
           </a:prstGeom>
+          <a:noFill/>
           <a:ln w="38100"/>
         </p:spPr>
         <p:style>
@@ -3878,6 +3873,8 @@
           <a:prstGeom prst="rect">
             <a:avLst/>
           </a:prstGeom>
+          <a:noFill/>
+          <a:ln w="38100"/>
         </p:spPr>
         <p:style>
           <a:lnRef idx="2">
@@ -3918,6 +3915,7 @@
           <a:prstGeom prst="rect">
             <a:avLst/>
           </a:prstGeom>
+          <a:noFill/>
           <a:ln w="38100"/>
         </p:spPr>
         <p:style>
@@ -4031,6 +4029,8 @@
           <a:prstGeom prst="rect">
             <a:avLst/>
           </a:prstGeom>
+          <a:noFill/>
+          <a:ln w="38100"/>
         </p:spPr>
         <p:style>
           <a:lnRef idx="2">
@@ -4071,6 +4071,7 @@
           <a:prstGeom prst="rect">
             <a:avLst/>
           </a:prstGeom>
+          <a:noFill/>
           <a:ln w="38100"/>
         </p:spPr>
         <p:style>
@@ -4112,6 +4113,8 @@
           <a:prstGeom prst="rect">
             <a:avLst/>
           </a:prstGeom>
+          <a:noFill/>
+          <a:ln w="38100"/>
         </p:spPr>
         <p:style>
           <a:lnRef idx="2">
@@ -4152,6 +4155,7 @@
           <a:prstGeom prst="rect">
             <a:avLst/>
           </a:prstGeom>
+          <a:noFill/>
           <a:ln w="38100"/>
         </p:spPr>
         <p:style>
@@ -4254,11 +4258,6 @@
               </a:rPr>
               <a:t>next</a:t>
             </a:r>
-            <a:endParaRPr lang="en-US" dirty="0" smtClean="0">
-              <a:solidFill>
-                <a:schemeClr val="tx1"/>
-              </a:solidFill>
-            </a:endParaRPr>
           </a:p>
         </p:txBody>
       </p:sp>
@@ -4337,11 +4336,6 @@
               </a:rPr>
               <a:t>next</a:t>
             </a:r>
-            <a:endParaRPr lang="en-US" dirty="0" smtClean="0">
-              <a:solidFill>
-                <a:schemeClr val="tx1"/>
-              </a:solidFill>
-            </a:endParaRPr>
           </a:p>
         </p:txBody>
       </p:sp>
